--- a/FrontEnd/Week3/Week3.pptx
+++ b/FrontEnd/Week3/Week3.pptx
@@ -136,6 +136,83 @@
 <file path=ppt/changesInfos/changesInfo1.xml><?xml version="1.0" encoding="utf-8"?>
 <pc:chgInfo xmlns:a="http://schemas.openxmlformats.org/drawingml/2006/main" xmlns:r="http://schemas.openxmlformats.org/officeDocument/2006/relationships" xmlns:ac="http://schemas.microsoft.com/office/drawing/2013/main/command" xmlns:pc="http://schemas.microsoft.com/office/powerpoint/2013/main/command">
   <pc:docChgLst>
+    <pc:chgData name="Noman  Atique" userId="aab35d70-e8e0-4a76-8862-eddb3a1d4775" providerId="ADAL" clId="{9C1E01C9-7AD7-3D40-9A48-E5BEEB503367}"/>
+    <pc:docChg chg="undo custSel addSld modSld">
+      <pc:chgData name="Noman  Atique" userId="aab35d70-e8e0-4a76-8862-eddb3a1d4775" providerId="ADAL" clId="{9C1E01C9-7AD7-3D40-9A48-E5BEEB503367}" dt="2025-01-16T16:19:40.146" v="82" actId="33524"/>
+      <pc:docMkLst>
+        <pc:docMk/>
+      </pc:docMkLst>
+      <pc:sldChg chg="modSp mod">
+        <pc:chgData name="Noman  Atique" userId="aab35d70-e8e0-4a76-8862-eddb3a1d4775" providerId="ADAL" clId="{9C1E01C9-7AD7-3D40-9A48-E5BEEB503367}" dt="2025-01-16T16:19:40.146" v="82" actId="33524"/>
+        <pc:sldMkLst>
+          <pc:docMk/>
+          <pc:sldMk cId="183788460" sldId="259"/>
+        </pc:sldMkLst>
+        <pc:spChg chg="mod">
+          <ac:chgData name="Noman  Atique" userId="aab35d70-e8e0-4a76-8862-eddb3a1d4775" providerId="ADAL" clId="{9C1E01C9-7AD7-3D40-9A48-E5BEEB503367}" dt="2025-01-16T16:19:40.146" v="82" actId="33524"/>
+          <ac:spMkLst>
+            <pc:docMk/>
+            <pc:sldMk cId="183788460" sldId="259"/>
+            <ac:spMk id="3" creationId="{7F0DC9BE-2B00-F5E5-7461-87E7058C0FD4}"/>
+          </ac:spMkLst>
+        </pc:spChg>
+      </pc:sldChg>
+      <pc:sldChg chg="modSp mod">
+        <pc:chgData name="Noman  Atique" userId="aab35d70-e8e0-4a76-8862-eddb3a1d4775" providerId="ADAL" clId="{9C1E01C9-7AD7-3D40-9A48-E5BEEB503367}" dt="2025-01-16T15:32:33.111" v="8" actId="20577"/>
+        <pc:sldMkLst>
+          <pc:docMk/>
+          <pc:sldMk cId="2119578963" sldId="267"/>
+        </pc:sldMkLst>
+        <pc:spChg chg="mod">
+          <ac:chgData name="Noman  Atique" userId="aab35d70-e8e0-4a76-8862-eddb3a1d4775" providerId="ADAL" clId="{9C1E01C9-7AD7-3D40-9A48-E5BEEB503367}" dt="2025-01-16T15:32:33.111" v="8" actId="20577"/>
+          <ac:spMkLst>
+            <pc:docMk/>
+            <pc:sldMk cId="2119578963" sldId="267"/>
+            <ac:spMk id="3" creationId="{C7723DC4-4AC4-6E54-783F-3EC26010932E}"/>
+          </ac:spMkLst>
+        </pc:spChg>
+      </pc:sldChg>
+      <pc:sldChg chg="modSp mod">
+        <pc:chgData name="Noman  Atique" userId="aab35d70-e8e0-4a76-8862-eddb3a1d4775" providerId="ADAL" clId="{9C1E01C9-7AD7-3D40-9A48-E5BEEB503367}" dt="2025-01-16T15:59:20.884" v="10" actId="14100"/>
+        <pc:sldMkLst>
+          <pc:docMk/>
+          <pc:sldMk cId="2141644011" sldId="268"/>
+        </pc:sldMkLst>
+        <pc:spChg chg="mod">
+          <ac:chgData name="Noman  Atique" userId="aab35d70-e8e0-4a76-8862-eddb3a1d4775" providerId="ADAL" clId="{9C1E01C9-7AD7-3D40-9A48-E5BEEB503367}" dt="2025-01-16T15:59:20.884" v="10" actId="14100"/>
+          <ac:spMkLst>
+            <pc:docMk/>
+            <pc:sldMk cId="2141644011" sldId="268"/>
+            <ac:spMk id="6" creationId="{7AF0D6A6-4369-8BD6-4A5E-DC186FF80B1B}"/>
+          </ac:spMkLst>
+        </pc:spChg>
+      </pc:sldChg>
+      <pc:sldChg chg="modSp new mod">
+        <pc:chgData name="Noman  Atique" userId="aab35d70-e8e0-4a76-8862-eddb3a1d4775" providerId="ADAL" clId="{9C1E01C9-7AD7-3D40-9A48-E5BEEB503367}" dt="2025-01-16T16:12:32.509" v="81"/>
+        <pc:sldMkLst>
+          <pc:docMk/>
+          <pc:sldMk cId="4041194265" sldId="269"/>
+        </pc:sldMkLst>
+        <pc:spChg chg="mod">
+          <ac:chgData name="Noman  Atique" userId="aab35d70-e8e0-4a76-8862-eddb3a1d4775" providerId="ADAL" clId="{9C1E01C9-7AD7-3D40-9A48-E5BEEB503367}" dt="2025-01-16T16:00:11.298" v="27" actId="20577"/>
+          <ac:spMkLst>
+            <pc:docMk/>
+            <pc:sldMk cId="4041194265" sldId="269"/>
+            <ac:spMk id="2" creationId="{7BB90C08-4D53-EF3B-66B0-99DB71FDCD68}"/>
+          </ac:spMkLst>
+        </pc:spChg>
+        <pc:spChg chg="mod">
+          <ac:chgData name="Noman  Atique" userId="aab35d70-e8e0-4a76-8862-eddb3a1d4775" providerId="ADAL" clId="{9C1E01C9-7AD7-3D40-9A48-E5BEEB503367}" dt="2025-01-16T16:12:32.509" v="81"/>
+          <ac:spMkLst>
+            <pc:docMk/>
+            <pc:sldMk cId="4041194265" sldId="269"/>
+            <ac:spMk id="3" creationId="{EB18A309-60A5-0C02-2261-3D43A077AA89}"/>
+          </ac:spMkLst>
+        </pc:spChg>
+      </pc:sldChg>
+    </pc:docChg>
+  </pc:docChgLst>
+  <pc:docChgLst>
     <pc:chgData name="Noman  Atique" userId="aab35d70-e8e0-4a76-8862-eddb3a1d4775" providerId="ADAL" clId="{37C6A07E-FA8F-45B4-855E-4FFB4446D908}"/>
     <pc:docChg chg="undo custSel addSld modSld">
       <pc:chgData name="Noman  Atique" userId="aab35d70-e8e0-4a76-8862-eddb3a1d4775" providerId="ADAL" clId="{37C6A07E-FA8F-45B4-855E-4FFB4446D908}" dt="2025-01-15T14:55:48.177" v="246" actId="108"/>
@@ -214,83 +291,6 @@
       </pc:sldChg>
     </pc:docChg>
   </pc:docChgLst>
-  <pc:docChgLst>
-    <pc:chgData name="Noman  Atique" userId="aab35d70-e8e0-4a76-8862-eddb3a1d4775" providerId="ADAL" clId="{9C1E01C9-7AD7-3D40-9A48-E5BEEB503367}"/>
-    <pc:docChg chg="undo custSel addSld modSld">
-      <pc:chgData name="Noman  Atique" userId="aab35d70-e8e0-4a76-8862-eddb3a1d4775" providerId="ADAL" clId="{9C1E01C9-7AD7-3D40-9A48-E5BEEB503367}" dt="2025-01-16T16:19:40.146" v="82" actId="33524"/>
-      <pc:docMkLst>
-        <pc:docMk/>
-      </pc:docMkLst>
-      <pc:sldChg chg="modSp mod">
-        <pc:chgData name="Noman  Atique" userId="aab35d70-e8e0-4a76-8862-eddb3a1d4775" providerId="ADAL" clId="{9C1E01C9-7AD7-3D40-9A48-E5BEEB503367}" dt="2025-01-16T16:19:40.146" v="82" actId="33524"/>
-        <pc:sldMkLst>
-          <pc:docMk/>
-          <pc:sldMk cId="183788460" sldId="259"/>
-        </pc:sldMkLst>
-        <pc:spChg chg="mod">
-          <ac:chgData name="Noman  Atique" userId="aab35d70-e8e0-4a76-8862-eddb3a1d4775" providerId="ADAL" clId="{9C1E01C9-7AD7-3D40-9A48-E5BEEB503367}" dt="2025-01-16T16:19:40.146" v="82" actId="33524"/>
-          <ac:spMkLst>
-            <pc:docMk/>
-            <pc:sldMk cId="183788460" sldId="259"/>
-            <ac:spMk id="3" creationId="{7F0DC9BE-2B00-F5E5-7461-87E7058C0FD4}"/>
-          </ac:spMkLst>
-        </pc:spChg>
-      </pc:sldChg>
-      <pc:sldChg chg="modSp mod">
-        <pc:chgData name="Noman  Atique" userId="aab35d70-e8e0-4a76-8862-eddb3a1d4775" providerId="ADAL" clId="{9C1E01C9-7AD7-3D40-9A48-E5BEEB503367}" dt="2025-01-16T15:32:33.111" v="8" actId="20577"/>
-        <pc:sldMkLst>
-          <pc:docMk/>
-          <pc:sldMk cId="2119578963" sldId="267"/>
-        </pc:sldMkLst>
-        <pc:spChg chg="mod">
-          <ac:chgData name="Noman  Atique" userId="aab35d70-e8e0-4a76-8862-eddb3a1d4775" providerId="ADAL" clId="{9C1E01C9-7AD7-3D40-9A48-E5BEEB503367}" dt="2025-01-16T15:32:33.111" v="8" actId="20577"/>
-          <ac:spMkLst>
-            <pc:docMk/>
-            <pc:sldMk cId="2119578963" sldId="267"/>
-            <ac:spMk id="3" creationId="{C7723DC4-4AC4-6E54-783F-3EC26010932E}"/>
-          </ac:spMkLst>
-        </pc:spChg>
-      </pc:sldChg>
-      <pc:sldChg chg="modSp mod">
-        <pc:chgData name="Noman  Atique" userId="aab35d70-e8e0-4a76-8862-eddb3a1d4775" providerId="ADAL" clId="{9C1E01C9-7AD7-3D40-9A48-E5BEEB503367}" dt="2025-01-16T15:59:20.884" v="10" actId="14100"/>
-        <pc:sldMkLst>
-          <pc:docMk/>
-          <pc:sldMk cId="2141644011" sldId="268"/>
-        </pc:sldMkLst>
-        <pc:spChg chg="mod">
-          <ac:chgData name="Noman  Atique" userId="aab35d70-e8e0-4a76-8862-eddb3a1d4775" providerId="ADAL" clId="{9C1E01C9-7AD7-3D40-9A48-E5BEEB503367}" dt="2025-01-16T15:59:20.884" v="10" actId="14100"/>
-          <ac:spMkLst>
-            <pc:docMk/>
-            <pc:sldMk cId="2141644011" sldId="268"/>
-            <ac:spMk id="6" creationId="{7AF0D6A6-4369-8BD6-4A5E-DC186FF80B1B}"/>
-          </ac:spMkLst>
-        </pc:spChg>
-      </pc:sldChg>
-      <pc:sldChg chg="modSp new mod">
-        <pc:chgData name="Noman  Atique" userId="aab35d70-e8e0-4a76-8862-eddb3a1d4775" providerId="ADAL" clId="{9C1E01C9-7AD7-3D40-9A48-E5BEEB503367}" dt="2025-01-16T16:12:32.509" v="81"/>
-        <pc:sldMkLst>
-          <pc:docMk/>
-          <pc:sldMk cId="4041194265" sldId="269"/>
-        </pc:sldMkLst>
-        <pc:spChg chg="mod">
-          <ac:chgData name="Noman  Atique" userId="aab35d70-e8e0-4a76-8862-eddb3a1d4775" providerId="ADAL" clId="{9C1E01C9-7AD7-3D40-9A48-E5BEEB503367}" dt="2025-01-16T16:00:11.298" v="27" actId="20577"/>
-          <ac:spMkLst>
-            <pc:docMk/>
-            <pc:sldMk cId="4041194265" sldId="269"/>
-            <ac:spMk id="2" creationId="{7BB90C08-4D53-EF3B-66B0-99DB71FDCD68}"/>
-          </ac:spMkLst>
-        </pc:spChg>
-        <pc:spChg chg="mod">
-          <ac:chgData name="Noman  Atique" userId="aab35d70-e8e0-4a76-8862-eddb3a1d4775" providerId="ADAL" clId="{9C1E01C9-7AD7-3D40-9A48-E5BEEB503367}" dt="2025-01-16T16:12:32.509" v="81"/>
-          <ac:spMkLst>
-            <pc:docMk/>
-            <pc:sldMk cId="4041194265" sldId="269"/>
-            <ac:spMk id="3" creationId="{EB18A309-60A5-0C02-2261-3D43A077AA89}"/>
-          </ac:spMkLst>
-        </pc:spChg>
-      </pc:sldChg>
-    </pc:docChg>
-  </pc:docChgLst>
 </pc:chgInfo>
 </file>
 
@@ -425,7 +425,7 @@
           <a:p>
             <a:fld id="{F28A4246-F2A7-4220-A405-8A96DAE08D6A}" type="datetimeFigureOut">
               <a:rPr lang="en-US" smtClean="0"/>
-              <a:t>1/16/25</a:t>
+              <a:t>5/14/25</a:t>
             </a:fld>
             <a:endParaRPr lang="en-US"/>
           </a:p>
@@ -595,7 +595,7 @@
           <a:p>
             <a:fld id="{F28A4246-F2A7-4220-A405-8A96DAE08D6A}" type="datetimeFigureOut">
               <a:rPr lang="en-US" smtClean="0"/>
-              <a:t>1/16/25</a:t>
+              <a:t>5/14/25</a:t>
             </a:fld>
             <a:endParaRPr lang="en-US"/>
           </a:p>
@@ -775,7 +775,7 @@
           <a:p>
             <a:fld id="{F28A4246-F2A7-4220-A405-8A96DAE08D6A}" type="datetimeFigureOut">
               <a:rPr lang="en-US" smtClean="0"/>
-              <a:t>1/16/25</a:t>
+              <a:t>5/14/25</a:t>
             </a:fld>
             <a:endParaRPr lang="en-US"/>
           </a:p>
@@ -945,7 +945,7 @@
           <a:p>
             <a:fld id="{F28A4246-F2A7-4220-A405-8A96DAE08D6A}" type="datetimeFigureOut">
               <a:rPr lang="en-US" smtClean="0"/>
-              <a:t>1/16/25</a:t>
+              <a:t>5/14/25</a:t>
             </a:fld>
             <a:endParaRPr lang="en-US"/>
           </a:p>
@@ -1191,7 +1191,7 @@
           <a:p>
             <a:fld id="{F28A4246-F2A7-4220-A405-8A96DAE08D6A}" type="datetimeFigureOut">
               <a:rPr lang="en-US" smtClean="0"/>
-              <a:t>1/16/25</a:t>
+              <a:t>5/14/25</a:t>
             </a:fld>
             <a:endParaRPr lang="en-US"/>
           </a:p>
@@ -1423,7 +1423,7 @@
           <a:p>
             <a:fld id="{F28A4246-F2A7-4220-A405-8A96DAE08D6A}" type="datetimeFigureOut">
               <a:rPr lang="en-US" smtClean="0"/>
-              <a:t>1/16/25</a:t>
+              <a:t>5/14/25</a:t>
             </a:fld>
             <a:endParaRPr lang="en-US"/>
           </a:p>
@@ -1790,7 +1790,7 @@
           <a:p>
             <a:fld id="{F28A4246-F2A7-4220-A405-8A96DAE08D6A}" type="datetimeFigureOut">
               <a:rPr lang="en-US" smtClean="0"/>
-              <a:t>1/16/25</a:t>
+              <a:t>5/14/25</a:t>
             </a:fld>
             <a:endParaRPr lang="en-US"/>
           </a:p>
@@ -1908,7 +1908,7 @@
           <a:p>
             <a:fld id="{F28A4246-F2A7-4220-A405-8A96DAE08D6A}" type="datetimeFigureOut">
               <a:rPr lang="en-US" smtClean="0"/>
-              <a:t>1/16/25</a:t>
+              <a:t>5/14/25</a:t>
             </a:fld>
             <a:endParaRPr lang="en-US"/>
           </a:p>
@@ -2003,7 +2003,7 @@
           <a:p>
             <a:fld id="{F28A4246-F2A7-4220-A405-8A96DAE08D6A}" type="datetimeFigureOut">
               <a:rPr lang="en-US" smtClean="0"/>
-              <a:t>1/16/25</a:t>
+              <a:t>5/14/25</a:t>
             </a:fld>
             <a:endParaRPr lang="en-US"/>
           </a:p>
@@ -2280,7 +2280,7 @@
           <a:p>
             <a:fld id="{F28A4246-F2A7-4220-A405-8A96DAE08D6A}" type="datetimeFigureOut">
               <a:rPr lang="en-US" smtClean="0"/>
-              <a:t>1/16/25</a:t>
+              <a:t>5/14/25</a:t>
             </a:fld>
             <a:endParaRPr lang="en-US"/>
           </a:p>
@@ -2537,7 +2537,7 @@
           <a:p>
             <a:fld id="{F28A4246-F2A7-4220-A405-8A96DAE08D6A}" type="datetimeFigureOut">
               <a:rPr lang="en-US" smtClean="0"/>
-              <a:t>1/16/25</a:t>
+              <a:t>5/14/25</a:t>
             </a:fld>
             <a:endParaRPr lang="en-US"/>
           </a:p>
@@ -2750,7 +2750,7 @@
           <a:p>
             <a:fld id="{F28A4246-F2A7-4220-A405-8A96DAE08D6A}" type="datetimeFigureOut">
               <a:rPr lang="en-US" smtClean="0"/>
-              <a:t>1/16/25</a:t>
+              <a:t>5/14/25</a:t>
             </a:fld>
             <a:endParaRPr lang="en-US"/>
           </a:p>
@@ -3324,7 +3324,19 @@
             </a:r>
             <a:r>
               <a:rPr lang="en-US" dirty="0"/>
-              <a:t> (the width of the capital letter M) - a scalable unit that is used in web media, and is equal to the current font-size. If the font-size is 12pt, 1em is the same as 12pt. If the font-size is changed, 1em changes to match. We can also use multiples: 2em is twice the font-size, and .5em is half. Using </a:t>
+              <a:t> (the width of the capital letter M) - a </a:t>
+            </a:r>
+            <a:r>
+              <a:rPr lang="en-US" dirty="0">
+                <a:highlight>
+                  <a:srgbClr val="FFFF00"/>
+                </a:highlight>
+              </a:rPr>
+              <a:t>scalable unit </a:t>
+            </a:r>
+            <a:r>
+              <a:rPr lang="en-US" dirty="0"/>
+              <a:t>that is used in web media, and is equal to the current font-size. If the font-size is 12pt, 1em is the same as 12pt. If the font-size is changed, 1em changes to match. We can also use multiples: 2em is twice the font-size, and .5em is half. Using </a:t>
             </a:r>
             <a:r>
               <a:rPr lang="en-US" dirty="0" err="1"/>
@@ -5130,10 +5142,15 @@
             <p:ph idx="1"/>
           </p:nvPr>
         </p:nvSpPr>
-        <p:spPr/>
+        <p:spPr>
+          <a:xfrm>
+            <a:off x="838200" y="1825624"/>
+            <a:ext cx="10515600" cy="5032375"/>
+          </a:xfrm>
+        </p:spPr>
         <p:txBody>
           <a:bodyPr>
-            <a:normAutofit fontScale="92500" lnSpcReduction="20000"/>
+            <a:normAutofit lnSpcReduction="10000"/>
           </a:bodyPr>
           <a:lstStyle/>
           <a:p>

--- a/FrontEnd/Week3/Week3.pptx
+++ b/FrontEnd/Week3/Week3.pptx
@@ -425,7 +425,7 @@
           <a:p>
             <a:fld id="{F28A4246-F2A7-4220-A405-8A96DAE08D6A}" type="datetimeFigureOut">
               <a:rPr lang="en-US" smtClean="0"/>
-              <a:t>5/14/25</a:t>
+              <a:t>5/15/25</a:t>
             </a:fld>
             <a:endParaRPr lang="en-US"/>
           </a:p>
@@ -595,7 +595,7 @@
           <a:p>
             <a:fld id="{F28A4246-F2A7-4220-A405-8A96DAE08D6A}" type="datetimeFigureOut">
               <a:rPr lang="en-US" smtClean="0"/>
-              <a:t>5/14/25</a:t>
+              <a:t>5/15/25</a:t>
             </a:fld>
             <a:endParaRPr lang="en-US"/>
           </a:p>
@@ -775,7 +775,7 @@
           <a:p>
             <a:fld id="{F28A4246-F2A7-4220-A405-8A96DAE08D6A}" type="datetimeFigureOut">
               <a:rPr lang="en-US" smtClean="0"/>
-              <a:t>5/14/25</a:t>
+              <a:t>5/15/25</a:t>
             </a:fld>
             <a:endParaRPr lang="en-US"/>
           </a:p>
@@ -945,7 +945,7 @@
           <a:p>
             <a:fld id="{F28A4246-F2A7-4220-A405-8A96DAE08D6A}" type="datetimeFigureOut">
               <a:rPr lang="en-US" smtClean="0"/>
-              <a:t>5/14/25</a:t>
+              <a:t>5/15/25</a:t>
             </a:fld>
             <a:endParaRPr lang="en-US"/>
           </a:p>
@@ -1191,7 +1191,7 @@
           <a:p>
             <a:fld id="{F28A4246-F2A7-4220-A405-8A96DAE08D6A}" type="datetimeFigureOut">
               <a:rPr lang="en-US" smtClean="0"/>
-              <a:t>5/14/25</a:t>
+              <a:t>5/15/25</a:t>
             </a:fld>
             <a:endParaRPr lang="en-US"/>
           </a:p>
@@ -1423,7 +1423,7 @@
           <a:p>
             <a:fld id="{F28A4246-F2A7-4220-A405-8A96DAE08D6A}" type="datetimeFigureOut">
               <a:rPr lang="en-US" smtClean="0"/>
-              <a:t>5/14/25</a:t>
+              <a:t>5/15/25</a:t>
             </a:fld>
             <a:endParaRPr lang="en-US"/>
           </a:p>
@@ -1790,7 +1790,7 @@
           <a:p>
             <a:fld id="{F28A4246-F2A7-4220-A405-8A96DAE08D6A}" type="datetimeFigureOut">
               <a:rPr lang="en-US" smtClean="0"/>
-              <a:t>5/14/25</a:t>
+              <a:t>5/15/25</a:t>
             </a:fld>
             <a:endParaRPr lang="en-US"/>
           </a:p>
@@ -1908,7 +1908,7 @@
           <a:p>
             <a:fld id="{F28A4246-F2A7-4220-A405-8A96DAE08D6A}" type="datetimeFigureOut">
               <a:rPr lang="en-US" smtClean="0"/>
-              <a:t>5/14/25</a:t>
+              <a:t>5/15/25</a:t>
             </a:fld>
             <a:endParaRPr lang="en-US"/>
           </a:p>
@@ -2003,7 +2003,7 @@
           <a:p>
             <a:fld id="{F28A4246-F2A7-4220-A405-8A96DAE08D6A}" type="datetimeFigureOut">
               <a:rPr lang="en-US" smtClean="0"/>
-              <a:t>5/14/25</a:t>
+              <a:t>5/15/25</a:t>
             </a:fld>
             <a:endParaRPr lang="en-US"/>
           </a:p>
@@ -2280,7 +2280,7 @@
           <a:p>
             <a:fld id="{F28A4246-F2A7-4220-A405-8A96DAE08D6A}" type="datetimeFigureOut">
               <a:rPr lang="en-US" smtClean="0"/>
-              <a:t>5/14/25</a:t>
+              <a:t>5/15/25</a:t>
             </a:fld>
             <a:endParaRPr lang="en-US"/>
           </a:p>
@@ -2537,7 +2537,7 @@
           <a:p>
             <a:fld id="{F28A4246-F2A7-4220-A405-8A96DAE08D6A}" type="datetimeFigureOut">
               <a:rPr lang="en-US" smtClean="0"/>
-              <a:t>5/14/25</a:t>
+              <a:t>5/15/25</a:t>
             </a:fld>
             <a:endParaRPr lang="en-US"/>
           </a:p>
@@ -2750,7 +2750,7 @@
           <a:p>
             <a:fld id="{F28A4246-F2A7-4220-A405-8A96DAE08D6A}" type="datetimeFigureOut">
               <a:rPr lang="en-US" smtClean="0"/>
-              <a:t>5/14/25</a:t>
+              <a:t>5/15/25</a:t>
             </a:fld>
             <a:endParaRPr lang="en-US"/>
           </a:p>
@@ -3328,15 +3328,15 @@
             </a:r>
             <a:r>
               <a:rPr lang="en-US" dirty="0">
-                <a:highlight>
+                <a:solidFill>
                   <a:srgbClr val="FFFF00"/>
-                </a:highlight>
+                </a:solidFill>
               </a:rPr>
-              <a:t>scalable unit </a:t>
-            </a:r>
-            <a:r>
-              <a:rPr lang="en-US" dirty="0"/>
-              <a:t>that is used in web media, and is equal to the current font-size. If the font-size is 12pt, 1em is the same as 12pt. If the font-size is changed, 1em changes to match. We can also use multiples: 2em is twice the font-size, and .5em is half. Using </a:t>
+              <a:t>scalable unit</a:t>
+            </a:r>
+            <a:r>
+              <a:rPr lang="en-US" dirty="0"/>
+              <a:t> that is used in web media, and is equal to the current font-size. If the font-size is 12pt, 1em is the same as 12pt. If the font-size is changed, 1em changes to match. We can also use multiples: 2em is twice the font-size, and .5em is half. Using </a:t>
             </a:r>
             <a:r>
               <a:rPr lang="en-US" dirty="0" err="1"/>
